--- a/Proyecto/Presentación3.pptx
+++ b/Proyecto/Presentación3.pptx
@@ -11252,42 +11252,6 @@
           <a:chExt cx="0" cy="0"/>
         </a:xfrm>
       </p:grpSpPr>
-      <p:pic>
-        <p:nvPicPr>
-          <p:cNvPr id="7" name="Imagen 6" descr="Texto&#10;&#10;Descripción generada automáticamente">
-            <a:extLst>
-              <a:ext uri="{FF2B5EF4-FFF2-40B4-BE49-F238E27FC236}">
-                <a16:creationId xmlns:a16="http://schemas.microsoft.com/office/drawing/2014/main" id="{561079F0-A064-4E02-B3E3-9F33294FE309}"/>
-              </a:ext>
-            </a:extLst>
-          </p:cNvPr>
-          <p:cNvPicPr>
-            <a:picLocks noChangeAspect="1"/>
-          </p:cNvPicPr>
-          <p:nvPr/>
-        </p:nvPicPr>
-        <p:blipFill>
-          <a:blip r:embed="rId2">
-            <a:extLst>
-              <a:ext uri="{28A0092B-C50C-407E-A947-70E740481C1C}">
-                <a14:useLocalDpi xmlns:a14="http://schemas.microsoft.com/office/drawing/2010/main" val="0"/>
-              </a:ext>
-            </a:extLst>
-          </a:blip>
-          <a:stretch>
-            <a:fillRect/>
-          </a:stretch>
-        </p:blipFill>
-        <p:spPr>
-          <a:xfrm>
-            <a:off x="857942" y="1376449"/>
-            <a:ext cx="8855745" cy="3417223"/>
-          </a:xfrm>
-          <a:prstGeom prst="rect">
-            <a:avLst/>
-          </a:prstGeom>
-        </p:spPr>
-      </p:pic>
       <p:sp>
         <p:nvSpPr>
           <p:cNvPr id="9" name="CuadroTexto 8">
@@ -11358,6 +11322,41 @@
           </a:p>
         </p:txBody>
       </p:sp>
+      <p:pic>
+        <p:nvPicPr>
+          <p:cNvPr id="17" name="Imagen 16" descr="Captura de pantalla de computadora&#10;&#10;Descripción generada automáticamente">
+            <a:extLst>
+              <a:ext uri="{FF2B5EF4-FFF2-40B4-BE49-F238E27FC236}">
+                <a16:creationId xmlns:a16="http://schemas.microsoft.com/office/drawing/2014/main" id="{6BB4BCC6-D2FE-4D6F-BDDC-8EAE49932B8A}"/>
+              </a:ext>
+            </a:extLst>
+          </p:cNvPr>
+          <p:cNvPicPr>
+            <a:picLocks noChangeAspect="1"/>
+          </p:cNvPicPr>
+          <p:nvPr/>
+        </p:nvPicPr>
+        <p:blipFill rotWithShape="1">
+          <a:blip r:embed="rId2">
+            <a:extLst>
+              <a:ext uri="{28A0092B-C50C-407E-A947-70E740481C1C}">
+                <a14:useLocalDpi xmlns:a14="http://schemas.microsoft.com/office/drawing/2010/main" val="0"/>
+              </a:ext>
+            </a:extLst>
+          </a:blip>
+          <a:srcRect l="24232" t="19379" r="15379" b="46261"/>
+          <a:stretch/>
+        </p:blipFill>
+        <p:spPr>
+          <a:xfrm>
+            <a:off x="0" y="701688"/>
+            <a:ext cx="10614197" cy="3884962"/>
+          </a:xfrm>
+          <a:prstGeom prst="rect">
+            <a:avLst/>
+          </a:prstGeom>
+        </p:spPr>
+      </p:pic>
       <p:sp>
         <p:nvSpPr>
           <p:cNvPr id="11" name="CuadroTexto 10">
@@ -11372,7 +11371,7 @@
         </p:nvSpPr>
         <p:spPr>
           <a:xfrm>
-            <a:off x="6291105" y="3829857"/>
+            <a:off x="6071639" y="3742050"/>
             <a:ext cx="979755" cy="369332"/>
           </a:xfrm>
           <a:prstGeom prst="rect">
@@ -11566,6 +11565,76 @@
             <a:r>
               <a:rPr lang="es-MX" dirty="0"/>
               <a:t>O(2^n)</a:t>
+            </a:r>
+          </a:p>
+        </p:txBody>
+      </p:sp>
+      <p:sp>
+        <p:nvSpPr>
+          <p:cNvPr id="19" name="CuadroTexto 18">
+            <a:extLst>
+              <a:ext uri="{FF2B5EF4-FFF2-40B4-BE49-F238E27FC236}">
+                <a16:creationId xmlns:a16="http://schemas.microsoft.com/office/drawing/2014/main" id="{E1D9E50E-695C-45BA-AE4B-C0A2709FFAEB}"/>
+              </a:ext>
+            </a:extLst>
+          </p:cNvPr>
+          <p:cNvSpPr txBox="1"/>
+          <p:nvPr/>
+        </p:nvSpPr>
+        <p:spPr>
+          <a:xfrm>
+            <a:off x="2577700" y="3613666"/>
+            <a:ext cx="979755" cy="369332"/>
+          </a:xfrm>
+          <a:prstGeom prst="rect">
+            <a:avLst/>
+          </a:prstGeom>
+          <a:noFill/>
+        </p:spPr>
+        <p:txBody>
+          <a:bodyPr wrap="none" rtlCol="0">
+            <a:spAutoFit/>
+          </a:bodyPr>
+          <a:lstStyle/>
+          <a:p>
+            <a:r>
+              <a:rPr lang="es-MX" dirty="0"/>
+              <a:t>O(2^n)</a:t>
+            </a:r>
+          </a:p>
+        </p:txBody>
+      </p:sp>
+      <p:sp>
+        <p:nvSpPr>
+          <p:cNvPr id="20" name="CuadroTexto 19">
+            <a:extLst>
+              <a:ext uri="{FF2B5EF4-FFF2-40B4-BE49-F238E27FC236}">
+                <a16:creationId xmlns:a16="http://schemas.microsoft.com/office/drawing/2014/main" id="{E3B201CE-9365-44CA-9432-E7EF13EBFB25}"/>
+              </a:ext>
+            </a:extLst>
+          </p:cNvPr>
+          <p:cNvSpPr txBox="1"/>
+          <p:nvPr/>
+        </p:nvSpPr>
+        <p:spPr>
+          <a:xfrm>
+            <a:off x="1711311" y="3641489"/>
+            <a:ext cx="683200" cy="369332"/>
+          </a:xfrm>
+          <a:prstGeom prst="rect">
+            <a:avLst/>
+          </a:prstGeom>
+          <a:noFill/>
+        </p:spPr>
+        <p:txBody>
+          <a:bodyPr wrap="none" rtlCol="0">
+            <a:spAutoFit/>
+          </a:bodyPr>
+          <a:lstStyle/>
+          <a:p>
+            <a:r>
+              <a:rPr lang="es-MX" dirty="0"/>
+              <a:t>O(1)</a:t>
             </a:r>
           </a:p>
         </p:txBody>
